--- a/analysis/Figures.pptx
+++ b/analysis/Figures.pptx
@@ -5,7 +5,7 @@
     <p:sldMasterId id="2147483648" r:id="rId1"/>
   </p:sldMasterIdLst>
   <p:notesMasterIdLst>
-    <p:notesMasterId r:id="rId7"/>
+    <p:notesMasterId r:id="rId8"/>
   </p:notesMasterIdLst>
   <p:sldIdLst>
     <p:sldId id="256" r:id="rId2"/>
@@ -13,6 +13,7 @@
     <p:sldId id="258" r:id="rId4"/>
     <p:sldId id="259" r:id="rId5"/>
     <p:sldId id="260" r:id="rId6"/>
+    <p:sldId id="261" r:id="rId7"/>
   </p:sldIdLst>
   <p:sldSz cx="12192000" cy="6858000"/>
   <p:notesSz cx="6858000" cy="9144000"/>
@@ -111,6 +112,11 @@
       </a:defRPr>
     </a:lvl9pPr>
   </p:defaultTextStyle>
+  <p:extLst>
+    <p:ext uri="{EFAFB233-063F-42B5-8137-9DF3F51BA10A}">
+      <p15:sldGuideLst xmlns:p15="http://schemas.microsoft.com/office/powerpoint/2012/main"/>
+    </p:ext>
+  </p:extLst>
 </p:presentation>
 </file>
 
@@ -196,7 +202,7 @@
           <a:p>
             <a:fld id="{168C9B3D-BA22-9745-BA23-69B31D7FA4FA}" type="datetimeFigureOut">
               <a:rPr lang="en-US" smtClean="0"/>
-              <a:t>12/9/17</a:t>
+              <a:t>12/11/17</a:t>
             </a:fld>
             <a:endParaRPr lang="en-US"/>
           </a:p>
@@ -595,7 +601,7 @@
           <a:p>
             <a:fld id="{F8C6C8C9-26B1-9541-9FF6-86435838C480}" type="datetimeFigureOut">
               <a:rPr lang="en-US" smtClean="0"/>
-              <a:t>12/9/17</a:t>
+              <a:t>12/11/17</a:t>
             </a:fld>
             <a:endParaRPr lang="en-US"/>
           </a:p>
@@ -765,7 +771,7 @@
           <a:p>
             <a:fld id="{F8C6C8C9-26B1-9541-9FF6-86435838C480}" type="datetimeFigureOut">
               <a:rPr lang="en-US" smtClean="0"/>
-              <a:t>12/9/17</a:t>
+              <a:t>12/11/17</a:t>
             </a:fld>
             <a:endParaRPr lang="en-US"/>
           </a:p>
@@ -945,7 +951,7 @@
           <a:p>
             <a:fld id="{F8C6C8C9-26B1-9541-9FF6-86435838C480}" type="datetimeFigureOut">
               <a:rPr lang="en-US" smtClean="0"/>
-              <a:t>12/9/17</a:t>
+              <a:t>12/11/17</a:t>
             </a:fld>
             <a:endParaRPr lang="en-US"/>
           </a:p>
@@ -1115,7 +1121,7 @@
           <a:p>
             <a:fld id="{F8C6C8C9-26B1-9541-9FF6-86435838C480}" type="datetimeFigureOut">
               <a:rPr lang="en-US" smtClean="0"/>
-              <a:t>12/9/17</a:t>
+              <a:t>12/11/17</a:t>
             </a:fld>
             <a:endParaRPr lang="en-US"/>
           </a:p>
@@ -1361,7 +1367,7 @@
           <a:p>
             <a:fld id="{F8C6C8C9-26B1-9541-9FF6-86435838C480}" type="datetimeFigureOut">
               <a:rPr lang="en-US" smtClean="0"/>
-              <a:t>12/9/17</a:t>
+              <a:t>12/11/17</a:t>
             </a:fld>
             <a:endParaRPr lang="en-US"/>
           </a:p>
@@ -1593,7 +1599,7 @@
           <a:p>
             <a:fld id="{F8C6C8C9-26B1-9541-9FF6-86435838C480}" type="datetimeFigureOut">
               <a:rPr lang="en-US" smtClean="0"/>
-              <a:t>12/9/17</a:t>
+              <a:t>12/11/17</a:t>
             </a:fld>
             <a:endParaRPr lang="en-US"/>
           </a:p>
@@ -1960,7 +1966,7 @@
           <a:p>
             <a:fld id="{F8C6C8C9-26B1-9541-9FF6-86435838C480}" type="datetimeFigureOut">
               <a:rPr lang="en-US" smtClean="0"/>
-              <a:t>12/9/17</a:t>
+              <a:t>12/11/17</a:t>
             </a:fld>
             <a:endParaRPr lang="en-US"/>
           </a:p>
@@ -2078,7 +2084,7 @@
           <a:p>
             <a:fld id="{F8C6C8C9-26B1-9541-9FF6-86435838C480}" type="datetimeFigureOut">
               <a:rPr lang="en-US" smtClean="0"/>
-              <a:t>12/9/17</a:t>
+              <a:t>12/11/17</a:t>
             </a:fld>
             <a:endParaRPr lang="en-US"/>
           </a:p>
@@ -2173,7 +2179,7 @@
           <a:p>
             <a:fld id="{F8C6C8C9-26B1-9541-9FF6-86435838C480}" type="datetimeFigureOut">
               <a:rPr lang="en-US" smtClean="0"/>
-              <a:t>12/9/17</a:t>
+              <a:t>12/11/17</a:t>
             </a:fld>
             <a:endParaRPr lang="en-US"/>
           </a:p>
@@ -2450,7 +2456,7 @@
           <a:p>
             <a:fld id="{F8C6C8C9-26B1-9541-9FF6-86435838C480}" type="datetimeFigureOut">
               <a:rPr lang="en-US" smtClean="0"/>
-              <a:t>12/9/17</a:t>
+              <a:t>12/11/17</a:t>
             </a:fld>
             <a:endParaRPr lang="en-US"/>
           </a:p>
@@ -2703,7 +2709,7 @@
           <a:p>
             <a:fld id="{F8C6C8C9-26B1-9541-9FF6-86435838C480}" type="datetimeFigureOut">
               <a:rPr lang="en-US" smtClean="0"/>
-              <a:t>12/9/17</a:t>
+              <a:t>12/11/17</a:t>
             </a:fld>
             <a:endParaRPr lang="en-US"/>
           </a:p>
@@ -2916,7 +2922,7 @@
           <a:p>
             <a:fld id="{F8C6C8C9-26B1-9541-9FF6-86435838C480}" type="datetimeFigureOut">
               <a:rPr lang="en-US" smtClean="0"/>
-              <a:t>12/9/17</a:t>
+              <a:t>12/11/17</a:t>
             </a:fld>
             <a:endParaRPr lang="en-US"/>
           </a:p>
@@ -10967,6 +10973,1211 @@
     <p:extLst>
       <p:ext uri="{BB962C8B-B14F-4D97-AF65-F5344CB8AC3E}">
         <p14:creationId xmlns:p14="http://schemas.microsoft.com/office/powerpoint/2010/main" val="1144479363"/>
+      </p:ext>
+    </p:extLst>
+  </p:cSld>
+  <p:clrMapOvr>
+    <a:masterClrMapping/>
+  </p:clrMapOvr>
+</p:sld>
+</file>
+
+<file path=ppt/slides/slide6.xml><?xml version="1.0" encoding="utf-8"?>
+<p:sld xmlns:a="http://schemas.openxmlformats.org/drawingml/2006/main" xmlns:r="http://schemas.openxmlformats.org/officeDocument/2006/relationships" xmlns:p="http://schemas.openxmlformats.org/presentationml/2006/main">
+  <p:cSld>
+    <p:spTree>
+      <p:nvGrpSpPr>
+        <p:cNvPr id="1" name=""/>
+        <p:cNvGrpSpPr/>
+        <p:nvPr/>
+      </p:nvGrpSpPr>
+      <p:grpSpPr>
+        <a:xfrm>
+          <a:off x="0" y="0"/>
+          <a:ext cx="0" cy="0"/>
+          <a:chOff x="0" y="0"/>
+          <a:chExt cx="0" cy="0"/>
+        </a:xfrm>
+      </p:grpSpPr>
+      <p:cxnSp>
+        <p:nvCxnSpPr>
+          <p:cNvPr id="55" name="Straight Connector 54"/>
+          <p:cNvCxnSpPr>
+            <a:stCxn id="20" idx="1"/>
+            <a:endCxn id="21" idx="5"/>
+          </p:cNvCxnSpPr>
+          <p:nvPr/>
+        </p:nvCxnSpPr>
+        <p:spPr>
+          <a:xfrm>
+            <a:off x="5914202" y="2223731"/>
+            <a:ext cx="682522" cy="754270"/>
+          </a:xfrm>
+          <a:prstGeom prst="line">
+            <a:avLst/>
+          </a:prstGeom>
+        </p:spPr>
+        <p:style>
+          <a:lnRef idx="1">
+            <a:schemeClr val="accent1"/>
+          </a:lnRef>
+          <a:fillRef idx="0">
+            <a:schemeClr val="accent1"/>
+          </a:fillRef>
+          <a:effectRef idx="0">
+            <a:schemeClr val="accent1"/>
+          </a:effectRef>
+          <a:fontRef idx="minor">
+            <a:schemeClr val="tx1"/>
+          </a:fontRef>
+        </p:style>
+      </p:cxnSp>
+      <p:cxnSp>
+        <p:nvCxnSpPr>
+          <p:cNvPr id="8" name="Straight Connector 7"/>
+          <p:cNvCxnSpPr>
+            <a:endCxn id="13" idx="3"/>
+          </p:cNvCxnSpPr>
+          <p:nvPr/>
+        </p:nvCxnSpPr>
+        <p:spPr>
+          <a:xfrm flipH="1">
+            <a:off x="2900067" y="847926"/>
+            <a:ext cx="1719700" cy="1062394"/>
+          </a:xfrm>
+          <a:prstGeom prst="line">
+            <a:avLst/>
+          </a:prstGeom>
+        </p:spPr>
+        <p:style>
+          <a:lnRef idx="1">
+            <a:schemeClr val="accent1"/>
+          </a:lnRef>
+          <a:fillRef idx="0">
+            <a:schemeClr val="accent1"/>
+          </a:fillRef>
+          <a:effectRef idx="0">
+            <a:schemeClr val="accent1"/>
+          </a:effectRef>
+          <a:fontRef idx="minor">
+            <a:schemeClr val="tx1"/>
+          </a:fontRef>
+        </p:style>
+      </p:cxnSp>
+      <p:cxnSp>
+        <p:nvCxnSpPr>
+          <p:cNvPr id="10" name="Straight Connector 9"/>
+          <p:cNvCxnSpPr>
+            <a:stCxn id="4" idx="5"/>
+            <a:endCxn id="12" idx="5"/>
+          </p:cNvCxnSpPr>
+          <p:nvPr/>
+        </p:nvCxnSpPr>
+        <p:spPr>
+          <a:xfrm>
+            <a:off x="4793082" y="899656"/>
+            <a:ext cx="2739309" cy="1534633"/>
+          </a:xfrm>
+          <a:prstGeom prst="line">
+            <a:avLst/>
+          </a:prstGeom>
+        </p:spPr>
+        <p:style>
+          <a:lnRef idx="1">
+            <a:schemeClr val="accent1"/>
+          </a:lnRef>
+          <a:fillRef idx="0">
+            <a:schemeClr val="accent1"/>
+          </a:fillRef>
+          <a:effectRef idx="0">
+            <a:schemeClr val="accent1"/>
+          </a:effectRef>
+          <a:fontRef idx="minor">
+            <a:schemeClr val="tx1"/>
+          </a:fontRef>
+        </p:style>
+      </p:cxnSp>
+      <p:cxnSp>
+        <p:nvCxnSpPr>
+          <p:cNvPr id="27" name="Straight Connector 26"/>
+          <p:cNvCxnSpPr>
+            <a:stCxn id="6" idx="7"/>
+            <a:endCxn id="16" idx="3"/>
+          </p:cNvCxnSpPr>
+          <p:nvPr/>
+        </p:nvCxnSpPr>
+        <p:spPr>
+          <a:xfrm flipH="1">
+            <a:off x="4873782" y="1239162"/>
+            <a:ext cx="783734" cy="776969"/>
+          </a:xfrm>
+          <a:prstGeom prst="line">
+            <a:avLst/>
+          </a:prstGeom>
+        </p:spPr>
+        <p:style>
+          <a:lnRef idx="1">
+            <a:schemeClr val="accent1"/>
+          </a:lnRef>
+          <a:fillRef idx="0">
+            <a:schemeClr val="accent1"/>
+          </a:fillRef>
+          <a:effectRef idx="0">
+            <a:schemeClr val="accent1"/>
+          </a:effectRef>
+          <a:fontRef idx="minor">
+            <a:schemeClr val="tx1"/>
+          </a:fontRef>
+        </p:style>
+      </p:cxnSp>
+      <p:cxnSp>
+        <p:nvCxnSpPr>
+          <p:cNvPr id="32" name="Straight Connector 31"/>
+          <p:cNvCxnSpPr>
+            <a:stCxn id="16" idx="3"/>
+          </p:cNvCxnSpPr>
+          <p:nvPr/>
+        </p:nvCxnSpPr>
+        <p:spPr>
+          <a:xfrm flipH="1">
+            <a:off x="4233257" y="2016131"/>
+            <a:ext cx="640525" cy="1047264"/>
+          </a:xfrm>
+          <a:prstGeom prst="line">
+            <a:avLst/>
+          </a:prstGeom>
+        </p:spPr>
+        <p:style>
+          <a:lnRef idx="1">
+            <a:schemeClr val="accent1"/>
+          </a:lnRef>
+          <a:fillRef idx="0">
+            <a:schemeClr val="accent1"/>
+          </a:fillRef>
+          <a:effectRef idx="0">
+            <a:schemeClr val="accent1"/>
+          </a:effectRef>
+          <a:fontRef idx="minor">
+            <a:schemeClr val="tx1"/>
+          </a:fontRef>
+        </p:style>
+      </p:cxnSp>
+      <p:cxnSp>
+        <p:nvCxnSpPr>
+          <p:cNvPr id="38" name="Straight Connector 37"/>
+          <p:cNvCxnSpPr>
+            <a:stCxn id="5" idx="1"/>
+            <a:endCxn id="15" idx="5"/>
+          </p:cNvCxnSpPr>
+          <p:nvPr/>
+        </p:nvCxnSpPr>
+        <p:spPr>
+          <a:xfrm>
+            <a:off x="3749163" y="1176800"/>
+            <a:ext cx="429207" cy="839331"/>
+          </a:xfrm>
+          <a:prstGeom prst="line">
+            <a:avLst/>
+          </a:prstGeom>
+        </p:spPr>
+        <p:style>
+          <a:lnRef idx="1">
+            <a:schemeClr val="accent1"/>
+          </a:lnRef>
+          <a:fillRef idx="0">
+            <a:schemeClr val="accent1"/>
+          </a:fillRef>
+          <a:effectRef idx="0">
+            <a:schemeClr val="accent1"/>
+          </a:effectRef>
+          <a:fontRef idx="minor">
+            <a:schemeClr val="tx1"/>
+          </a:fontRef>
+        </p:style>
+      </p:cxnSp>
+      <p:cxnSp>
+        <p:nvCxnSpPr>
+          <p:cNvPr id="40" name="Straight Connector 39"/>
+          <p:cNvCxnSpPr>
+            <a:stCxn id="13" idx="1"/>
+            <a:endCxn id="14" idx="5"/>
+          </p:cNvCxnSpPr>
+          <p:nvPr/>
+        </p:nvCxnSpPr>
+        <p:spPr>
+          <a:xfrm>
+            <a:off x="2900067" y="1685107"/>
+            <a:ext cx="384462" cy="604588"/>
+          </a:xfrm>
+          <a:prstGeom prst="line">
+            <a:avLst/>
+          </a:prstGeom>
+        </p:spPr>
+        <p:style>
+          <a:lnRef idx="1">
+            <a:schemeClr val="accent1"/>
+          </a:lnRef>
+          <a:fillRef idx="0">
+            <a:schemeClr val="accent1"/>
+          </a:fillRef>
+          <a:effectRef idx="0">
+            <a:schemeClr val="accent1"/>
+          </a:effectRef>
+          <a:fontRef idx="minor">
+            <a:schemeClr val="tx1"/>
+          </a:fontRef>
+        </p:style>
+      </p:cxnSp>
+      <p:cxnSp>
+        <p:nvCxnSpPr>
+          <p:cNvPr id="44" name="Straight Connector 43"/>
+          <p:cNvCxnSpPr>
+            <a:stCxn id="11" idx="7"/>
+            <a:endCxn id="20" idx="3"/>
+          </p:cNvCxnSpPr>
+          <p:nvPr/>
+        </p:nvCxnSpPr>
+        <p:spPr>
+          <a:xfrm flipH="1">
+            <a:off x="5914202" y="1693111"/>
+            <a:ext cx="682523" cy="755833"/>
+          </a:xfrm>
+          <a:prstGeom prst="line">
+            <a:avLst/>
+          </a:prstGeom>
+        </p:spPr>
+        <p:style>
+          <a:lnRef idx="1">
+            <a:schemeClr val="accent1"/>
+          </a:lnRef>
+          <a:fillRef idx="0">
+            <a:schemeClr val="accent1"/>
+          </a:fillRef>
+          <a:effectRef idx="0">
+            <a:schemeClr val="accent1"/>
+          </a:effectRef>
+          <a:fontRef idx="minor">
+            <a:schemeClr val="tx1"/>
+          </a:fontRef>
+        </p:style>
+      </p:cxnSp>
+      <p:sp>
+        <p:nvSpPr>
+          <p:cNvPr id="5" name="Oval 4"/>
+          <p:cNvSpPr/>
+          <p:nvPr/>
+        </p:nvSpPr>
+        <p:spPr>
+          <a:xfrm>
+            <a:off x="3702520" y="1130157"/>
+            <a:ext cx="318499" cy="318499"/>
+          </a:xfrm>
+          <a:prstGeom prst="ellipse">
+            <a:avLst/>
+          </a:prstGeom>
+          <a:solidFill>
+            <a:schemeClr val="bg1"/>
+          </a:solidFill>
+        </p:spPr>
+        <p:style>
+          <a:lnRef idx="2">
+            <a:schemeClr val="accent1">
+              <a:shade val="50000"/>
+            </a:schemeClr>
+          </a:lnRef>
+          <a:fillRef idx="1">
+            <a:schemeClr val="accent1"/>
+          </a:fillRef>
+          <a:effectRef idx="0">
+            <a:schemeClr val="accent1"/>
+          </a:effectRef>
+          <a:fontRef idx="minor">
+            <a:schemeClr val="lt1"/>
+          </a:fontRef>
+        </p:style>
+        <p:txBody>
+          <a:bodyPr rtlCol="0" anchor="ctr"/>
+          <a:lstStyle/>
+          <a:p>
+            <a:pPr algn="ctr"/>
+            <a:endParaRPr lang="en-US"/>
+          </a:p>
+        </p:txBody>
+      </p:sp>
+      <p:sp>
+        <p:nvSpPr>
+          <p:cNvPr id="13" name="Oval 12"/>
+          <p:cNvSpPr/>
+          <p:nvPr/>
+        </p:nvSpPr>
+        <p:spPr>
+          <a:xfrm>
+            <a:off x="2853424" y="1638464"/>
+            <a:ext cx="318499" cy="318499"/>
+          </a:xfrm>
+          <a:prstGeom prst="ellipse">
+            <a:avLst/>
+          </a:prstGeom>
+          <a:solidFill>
+            <a:schemeClr val="bg1"/>
+          </a:solidFill>
+        </p:spPr>
+        <p:style>
+          <a:lnRef idx="2">
+            <a:schemeClr val="accent1">
+              <a:shade val="50000"/>
+            </a:schemeClr>
+          </a:lnRef>
+          <a:fillRef idx="1">
+            <a:schemeClr val="accent1"/>
+          </a:fillRef>
+          <a:effectRef idx="0">
+            <a:schemeClr val="accent1"/>
+          </a:effectRef>
+          <a:fontRef idx="minor">
+            <a:schemeClr val="lt1"/>
+          </a:fontRef>
+        </p:style>
+        <p:txBody>
+          <a:bodyPr rtlCol="0" anchor="ctr"/>
+          <a:lstStyle/>
+          <a:p>
+            <a:pPr algn="ctr"/>
+            <a:endParaRPr lang="en-US"/>
+          </a:p>
+        </p:txBody>
+      </p:sp>
+      <p:sp>
+        <p:nvSpPr>
+          <p:cNvPr id="14" name="Oval 13"/>
+          <p:cNvSpPr/>
+          <p:nvPr/>
+        </p:nvSpPr>
+        <p:spPr>
+          <a:xfrm>
+            <a:off x="3012673" y="2017839"/>
+            <a:ext cx="318499" cy="318499"/>
+          </a:xfrm>
+          <a:prstGeom prst="ellipse">
+            <a:avLst/>
+          </a:prstGeom>
+          <a:solidFill>
+            <a:schemeClr val="bg1"/>
+          </a:solidFill>
+        </p:spPr>
+        <p:style>
+          <a:lnRef idx="2">
+            <a:schemeClr val="accent1">
+              <a:shade val="50000"/>
+            </a:schemeClr>
+          </a:lnRef>
+          <a:fillRef idx="1">
+            <a:schemeClr val="accent1"/>
+          </a:fillRef>
+          <a:effectRef idx="0">
+            <a:schemeClr val="accent1"/>
+          </a:effectRef>
+          <a:fontRef idx="minor">
+            <a:schemeClr val="lt1"/>
+          </a:fontRef>
+        </p:style>
+        <p:txBody>
+          <a:bodyPr rtlCol="0" anchor="ctr"/>
+          <a:lstStyle/>
+          <a:p>
+            <a:pPr algn="ctr"/>
+            <a:endParaRPr lang="en-US"/>
+          </a:p>
+        </p:txBody>
+      </p:sp>
+      <p:sp>
+        <p:nvSpPr>
+          <p:cNvPr id="15" name="Oval 14"/>
+          <p:cNvSpPr/>
+          <p:nvPr/>
+        </p:nvSpPr>
+        <p:spPr>
+          <a:xfrm>
+            <a:off x="3906514" y="1744275"/>
+            <a:ext cx="318499" cy="318499"/>
+          </a:xfrm>
+          <a:prstGeom prst="ellipse">
+            <a:avLst/>
+          </a:prstGeom>
+          <a:solidFill>
+            <a:schemeClr val="bg1"/>
+          </a:solidFill>
+        </p:spPr>
+        <p:style>
+          <a:lnRef idx="2">
+            <a:schemeClr val="accent1">
+              <a:shade val="50000"/>
+            </a:schemeClr>
+          </a:lnRef>
+          <a:fillRef idx="1">
+            <a:schemeClr val="accent1"/>
+          </a:fillRef>
+          <a:effectRef idx="0">
+            <a:schemeClr val="accent1"/>
+          </a:effectRef>
+          <a:fontRef idx="minor">
+            <a:schemeClr val="lt1"/>
+          </a:fontRef>
+        </p:style>
+        <p:txBody>
+          <a:bodyPr rtlCol="0" anchor="ctr"/>
+          <a:lstStyle/>
+          <a:p>
+            <a:pPr algn="ctr"/>
+            <a:endParaRPr lang="en-US"/>
+          </a:p>
+        </p:txBody>
+      </p:sp>
+      <p:sp>
+        <p:nvSpPr>
+          <p:cNvPr id="16" name="Oval 15"/>
+          <p:cNvSpPr/>
+          <p:nvPr/>
+        </p:nvSpPr>
+        <p:spPr>
+          <a:xfrm>
+            <a:off x="4827139" y="1744275"/>
+            <a:ext cx="318499" cy="318499"/>
+          </a:xfrm>
+          <a:prstGeom prst="ellipse">
+            <a:avLst/>
+          </a:prstGeom>
+          <a:solidFill>
+            <a:schemeClr val="bg1"/>
+          </a:solidFill>
+        </p:spPr>
+        <p:style>
+          <a:lnRef idx="2">
+            <a:schemeClr val="accent1">
+              <a:shade val="50000"/>
+            </a:schemeClr>
+          </a:lnRef>
+          <a:fillRef idx="1">
+            <a:schemeClr val="accent1"/>
+          </a:fillRef>
+          <a:effectRef idx="0">
+            <a:schemeClr val="accent1"/>
+          </a:effectRef>
+          <a:fontRef idx="minor">
+            <a:schemeClr val="lt1"/>
+          </a:fontRef>
+        </p:style>
+        <p:txBody>
+          <a:bodyPr rtlCol="0" anchor="ctr"/>
+          <a:lstStyle/>
+          <a:p>
+            <a:pPr algn="ctr"/>
+            <a:endParaRPr lang="en-US"/>
+          </a:p>
+        </p:txBody>
+      </p:sp>
+      <p:sp>
+        <p:nvSpPr>
+          <p:cNvPr id="17" name="Oval 16"/>
+          <p:cNvSpPr/>
+          <p:nvPr/>
+        </p:nvSpPr>
+        <p:spPr>
+          <a:xfrm>
+            <a:off x="4505113" y="2252914"/>
+            <a:ext cx="318499" cy="318499"/>
+          </a:xfrm>
+          <a:prstGeom prst="ellipse">
+            <a:avLst/>
+          </a:prstGeom>
+          <a:solidFill>
+            <a:schemeClr val="bg1"/>
+          </a:solidFill>
+        </p:spPr>
+        <p:style>
+          <a:lnRef idx="2">
+            <a:schemeClr val="accent1">
+              <a:shade val="50000"/>
+            </a:schemeClr>
+          </a:lnRef>
+          <a:fillRef idx="1">
+            <a:schemeClr val="accent1"/>
+          </a:fillRef>
+          <a:effectRef idx="0">
+            <a:schemeClr val="accent1"/>
+          </a:effectRef>
+          <a:fontRef idx="minor">
+            <a:schemeClr val="lt1"/>
+          </a:fontRef>
+        </p:style>
+        <p:txBody>
+          <a:bodyPr rtlCol="0" anchor="ctr"/>
+          <a:lstStyle/>
+          <a:p>
+            <a:pPr algn="ctr"/>
+            <a:endParaRPr lang="en-US"/>
+          </a:p>
+        </p:txBody>
+      </p:sp>
+      <p:sp>
+        <p:nvSpPr>
+          <p:cNvPr id="19" name="Oval 18"/>
+          <p:cNvSpPr/>
+          <p:nvPr/>
+        </p:nvSpPr>
+        <p:spPr>
+          <a:xfrm>
+            <a:off x="4178145" y="2807367"/>
+            <a:ext cx="318499" cy="318499"/>
+          </a:xfrm>
+          <a:prstGeom prst="ellipse">
+            <a:avLst/>
+          </a:prstGeom>
+          <a:solidFill>
+            <a:schemeClr val="bg1"/>
+          </a:solidFill>
+        </p:spPr>
+        <p:style>
+          <a:lnRef idx="2">
+            <a:schemeClr val="accent1">
+              <a:shade val="50000"/>
+            </a:schemeClr>
+          </a:lnRef>
+          <a:fillRef idx="1">
+            <a:schemeClr val="accent1"/>
+          </a:fillRef>
+          <a:effectRef idx="0">
+            <a:schemeClr val="accent1"/>
+          </a:effectRef>
+          <a:fontRef idx="minor">
+            <a:schemeClr val="lt1"/>
+          </a:fontRef>
+        </p:style>
+        <p:txBody>
+          <a:bodyPr rtlCol="0" anchor="ctr"/>
+          <a:lstStyle/>
+          <a:p>
+            <a:pPr algn="ctr"/>
+            <a:endParaRPr lang="en-US"/>
+          </a:p>
+        </p:txBody>
+      </p:sp>
+      <p:cxnSp>
+        <p:nvCxnSpPr>
+          <p:cNvPr id="34" name="Straight Connector 33"/>
+          <p:cNvCxnSpPr>
+            <a:stCxn id="16" idx="5"/>
+            <a:endCxn id="18" idx="5"/>
+          </p:cNvCxnSpPr>
+          <p:nvPr/>
+        </p:nvCxnSpPr>
+        <p:spPr>
+          <a:xfrm>
+            <a:off x="5098995" y="2016131"/>
+            <a:ext cx="315731" cy="516258"/>
+          </a:xfrm>
+          <a:prstGeom prst="line">
+            <a:avLst/>
+          </a:prstGeom>
+        </p:spPr>
+        <p:style>
+          <a:lnRef idx="1">
+            <a:schemeClr val="accent1"/>
+          </a:lnRef>
+          <a:fillRef idx="0">
+            <a:schemeClr val="accent1"/>
+          </a:fillRef>
+          <a:effectRef idx="0">
+            <a:schemeClr val="accent1"/>
+          </a:effectRef>
+          <a:fontRef idx="minor">
+            <a:schemeClr val="tx1"/>
+          </a:fontRef>
+        </p:style>
+      </p:cxnSp>
+      <p:sp>
+        <p:nvSpPr>
+          <p:cNvPr id="4" name="Oval 3"/>
+          <p:cNvSpPr/>
+          <p:nvPr/>
+        </p:nvSpPr>
+        <p:spPr>
+          <a:xfrm>
+            <a:off x="4521226" y="627800"/>
+            <a:ext cx="318499" cy="318499"/>
+          </a:xfrm>
+          <a:prstGeom prst="ellipse">
+            <a:avLst/>
+          </a:prstGeom>
+          <a:solidFill>
+            <a:schemeClr val="accent1"/>
+          </a:solidFill>
+        </p:spPr>
+        <p:style>
+          <a:lnRef idx="2">
+            <a:schemeClr val="accent1">
+              <a:shade val="50000"/>
+            </a:schemeClr>
+          </a:lnRef>
+          <a:fillRef idx="1">
+            <a:schemeClr val="accent1"/>
+          </a:fillRef>
+          <a:effectRef idx="0">
+            <a:schemeClr val="accent1"/>
+          </a:effectRef>
+          <a:fontRef idx="minor">
+            <a:schemeClr val="lt1"/>
+          </a:fontRef>
+        </p:style>
+        <p:txBody>
+          <a:bodyPr rtlCol="0" anchor="ctr"/>
+          <a:lstStyle/>
+          <a:p>
+            <a:pPr algn="ctr"/>
+            <a:endParaRPr lang="en-US"/>
+          </a:p>
+        </p:txBody>
+      </p:sp>
+      <p:sp>
+        <p:nvSpPr>
+          <p:cNvPr id="6" name="Oval 5"/>
+          <p:cNvSpPr/>
+          <p:nvPr/>
+        </p:nvSpPr>
+        <p:spPr>
+          <a:xfrm>
+            <a:off x="5385660" y="1192519"/>
+            <a:ext cx="318499" cy="318499"/>
+          </a:xfrm>
+          <a:prstGeom prst="ellipse">
+            <a:avLst/>
+          </a:prstGeom>
+          <a:solidFill>
+            <a:schemeClr val="accent1"/>
+          </a:solidFill>
+        </p:spPr>
+        <p:style>
+          <a:lnRef idx="2">
+            <a:schemeClr val="accent1">
+              <a:shade val="50000"/>
+            </a:schemeClr>
+          </a:lnRef>
+          <a:fillRef idx="1">
+            <a:schemeClr val="accent1"/>
+          </a:fillRef>
+          <a:effectRef idx="0">
+            <a:schemeClr val="accent1"/>
+          </a:effectRef>
+          <a:fontRef idx="minor">
+            <a:schemeClr val="lt1"/>
+          </a:fontRef>
+        </p:style>
+        <p:txBody>
+          <a:bodyPr rtlCol="0" anchor="ctr"/>
+          <a:lstStyle/>
+          <a:p>
+            <a:pPr algn="ctr"/>
+            <a:endParaRPr lang="en-US"/>
+          </a:p>
+        </p:txBody>
+      </p:sp>
+      <p:sp>
+        <p:nvSpPr>
+          <p:cNvPr id="11" name="Oval 10"/>
+          <p:cNvSpPr/>
+          <p:nvPr/>
+        </p:nvSpPr>
+        <p:spPr>
+          <a:xfrm>
+            <a:off x="6324869" y="1646468"/>
+            <a:ext cx="318499" cy="318499"/>
+          </a:xfrm>
+          <a:prstGeom prst="ellipse">
+            <a:avLst/>
+          </a:prstGeom>
+          <a:solidFill>
+            <a:schemeClr val="bg1"/>
+          </a:solidFill>
+        </p:spPr>
+        <p:style>
+          <a:lnRef idx="2">
+            <a:schemeClr val="accent1">
+              <a:shade val="50000"/>
+            </a:schemeClr>
+          </a:lnRef>
+          <a:fillRef idx="1">
+            <a:schemeClr val="accent1"/>
+          </a:fillRef>
+          <a:effectRef idx="0">
+            <a:schemeClr val="accent1"/>
+          </a:effectRef>
+          <a:fontRef idx="minor">
+            <a:schemeClr val="lt1"/>
+          </a:fontRef>
+        </p:style>
+        <p:txBody>
+          <a:bodyPr rtlCol="0" anchor="ctr"/>
+          <a:lstStyle/>
+          <a:p>
+            <a:pPr algn="ctr"/>
+            <a:endParaRPr lang="en-US"/>
+          </a:p>
+        </p:txBody>
+      </p:sp>
+      <p:sp>
+        <p:nvSpPr>
+          <p:cNvPr id="12" name="Oval 11"/>
+          <p:cNvSpPr/>
+          <p:nvPr/>
+        </p:nvSpPr>
+        <p:spPr>
+          <a:xfrm>
+            <a:off x="7260535" y="2162433"/>
+            <a:ext cx="318499" cy="318499"/>
+          </a:xfrm>
+          <a:prstGeom prst="ellipse">
+            <a:avLst/>
+          </a:prstGeom>
+          <a:solidFill>
+            <a:schemeClr val="bg1"/>
+          </a:solidFill>
+        </p:spPr>
+        <p:style>
+          <a:lnRef idx="2">
+            <a:schemeClr val="accent1">
+              <a:shade val="50000"/>
+            </a:schemeClr>
+          </a:lnRef>
+          <a:fillRef idx="1">
+            <a:schemeClr val="accent1"/>
+          </a:fillRef>
+          <a:effectRef idx="0">
+            <a:schemeClr val="accent1"/>
+          </a:effectRef>
+          <a:fontRef idx="minor">
+            <a:schemeClr val="lt1"/>
+          </a:fontRef>
+        </p:style>
+        <p:txBody>
+          <a:bodyPr rtlCol="0" anchor="ctr"/>
+          <a:lstStyle/>
+          <a:p>
+            <a:pPr algn="ctr"/>
+            <a:endParaRPr lang="en-US"/>
+          </a:p>
+        </p:txBody>
+      </p:sp>
+      <p:sp>
+        <p:nvSpPr>
+          <p:cNvPr id="18" name="Oval 17"/>
+          <p:cNvSpPr/>
+          <p:nvPr/>
+        </p:nvSpPr>
+        <p:spPr>
+          <a:xfrm>
+            <a:off x="5142870" y="2260533"/>
+            <a:ext cx="318499" cy="318499"/>
+          </a:xfrm>
+          <a:prstGeom prst="ellipse">
+            <a:avLst/>
+          </a:prstGeom>
+          <a:solidFill>
+            <a:schemeClr val="bg1"/>
+          </a:solidFill>
+        </p:spPr>
+        <p:style>
+          <a:lnRef idx="2">
+            <a:schemeClr val="accent1">
+              <a:shade val="50000"/>
+            </a:schemeClr>
+          </a:lnRef>
+          <a:fillRef idx="1">
+            <a:schemeClr val="accent1"/>
+          </a:fillRef>
+          <a:effectRef idx="0">
+            <a:schemeClr val="accent1"/>
+          </a:effectRef>
+          <a:fontRef idx="minor">
+            <a:schemeClr val="lt1"/>
+          </a:fontRef>
+        </p:style>
+        <p:txBody>
+          <a:bodyPr rtlCol="0" anchor="ctr"/>
+          <a:lstStyle/>
+          <a:p>
+            <a:pPr algn="ctr"/>
+            <a:endParaRPr lang="en-US"/>
+          </a:p>
+        </p:txBody>
+      </p:sp>
+      <p:sp>
+        <p:nvSpPr>
+          <p:cNvPr id="20" name="Oval 19"/>
+          <p:cNvSpPr/>
+          <p:nvPr/>
+        </p:nvSpPr>
+        <p:spPr>
+          <a:xfrm>
+            <a:off x="5867559" y="2177088"/>
+            <a:ext cx="318499" cy="318499"/>
+          </a:xfrm>
+          <a:prstGeom prst="ellipse">
+            <a:avLst/>
+          </a:prstGeom>
+          <a:solidFill>
+            <a:schemeClr val="accent1"/>
+          </a:solidFill>
+        </p:spPr>
+        <p:style>
+          <a:lnRef idx="2">
+            <a:schemeClr val="accent1">
+              <a:shade val="50000"/>
+            </a:schemeClr>
+          </a:lnRef>
+          <a:fillRef idx="1">
+            <a:schemeClr val="accent1"/>
+          </a:fillRef>
+          <a:effectRef idx="0">
+            <a:schemeClr val="accent1"/>
+          </a:effectRef>
+          <a:fontRef idx="minor">
+            <a:schemeClr val="lt1"/>
+          </a:fontRef>
+        </p:style>
+        <p:txBody>
+          <a:bodyPr rtlCol="0" anchor="ctr"/>
+          <a:lstStyle/>
+          <a:p>
+            <a:pPr algn="ctr"/>
+            <a:endParaRPr lang="en-US"/>
+          </a:p>
+        </p:txBody>
+      </p:sp>
+      <p:sp>
+        <p:nvSpPr>
+          <p:cNvPr id="21" name="Oval 20"/>
+          <p:cNvSpPr/>
+          <p:nvPr/>
+        </p:nvSpPr>
+        <p:spPr>
+          <a:xfrm>
+            <a:off x="6324868" y="2706145"/>
+            <a:ext cx="318499" cy="318499"/>
+          </a:xfrm>
+          <a:prstGeom prst="ellipse">
+            <a:avLst/>
+          </a:prstGeom>
+          <a:solidFill>
+            <a:schemeClr val="bg1"/>
+          </a:solidFill>
+        </p:spPr>
+        <p:style>
+          <a:lnRef idx="2">
+            <a:schemeClr val="accent1">
+              <a:shade val="50000"/>
+            </a:schemeClr>
+          </a:lnRef>
+          <a:fillRef idx="1">
+            <a:schemeClr val="accent1"/>
+          </a:fillRef>
+          <a:effectRef idx="0">
+            <a:schemeClr val="accent1"/>
+          </a:effectRef>
+          <a:fontRef idx="minor">
+            <a:schemeClr val="lt1"/>
+          </a:fontRef>
+        </p:style>
+        <p:txBody>
+          <a:bodyPr rtlCol="0" anchor="ctr"/>
+          <a:lstStyle/>
+          <a:p>
+            <a:pPr algn="ctr"/>
+            <a:endParaRPr lang="en-US"/>
+          </a:p>
+        </p:txBody>
+      </p:sp>
+      <p:sp>
+        <p:nvSpPr>
+          <p:cNvPr id="51" name="Rectangle 50"/>
+          <p:cNvSpPr/>
+          <p:nvPr/>
+        </p:nvSpPr>
+        <p:spPr>
+          <a:xfrm>
+            <a:off x="3572540" y="531628"/>
+            <a:ext cx="2295019" cy="1106836"/>
+          </a:xfrm>
+          <a:prstGeom prst="rect">
+            <a:avLst/>
+          </a:prstGeom>
+          <a:noFill/>
+          <a:ln w="28575"/>
+        </p:spPr>
+        <p:style>
+          <a:lnRef idx="2">
+            <a:schemeClr val="accent1">
+              <a:shade val="50000"/>
+            </a:schemeClr>
+          </a:lnRef>
+          <a:fillRef idx="1">
+            <a:schemeClr val="accent1"/>
+          </a:fillRef>
+          <a:effectRef idx="0">
+            <a:schemeClr val="accent1"/>
+          </a:effectRef>
+          <a:fontRef idx="minor">
+            <a:schemeClr val="lt1"/>
+          </a:fontRef>
+        </p:style>
+        <p:txBody>
+          <a:bodyPr rtlCol="0" anchor="ctr"/>
+          <a:lstStyle/>
+          <a:p>
+            <a:pPr algn="ctr"/>
+            <a:endParaRPr lang="en-US"/>
+          </a:p>
+        </p:txBody>
+      </p:sp>
+      <p:cxnSp>
+        <p:nvCxnSpPr>
+          <p:cNvPr id="57" name="Straight Connector 56"/>
+          <p:cNvCxnSpPr/>
+          <p:nvPr/>
+        </p:nvCxnSpPr>
+        <p:spPr>
+          <a:xfrm flipV="1">
+            <a:off x="4553519" y="1114655"/>
+            <a:ext cx="3152187" cy="514"/>
+          </a:xfrm>
+          <a:prstGeom prst="line">
+            <a:avLst/>
+          </a:prstGeom>
+          <a:ln w="28575"/>
+        </p:spPr>
+        <p:style>
+          <a:lnRef idx="1">
+            <a:schemeClr val="accent1"/>
+          </a:lnRef>
+          <a:fillRef idx="0">
+            <a:schemeClr val="accent1"/>
+          </a:fillRef>
+          <a:effectRef idx="0">
+            <a:schemeClr val="accent1"/>
+          </a:effectRef>
+          <a:fontRef idx="minor">
+            <a:schemeClr val="tx1"/>
+          </a:fontRef>
+        </p:style>
+      </p:cxnSp>
+      <p:cxnSp>
+        <p:nvCxnSpPr>
+          <p:cNvPr id="62" name="Straight Connector 61"/>
+          <p:cNvCxnSpPr/>
+          <p:nvPr/>
+        </p:nvCxnSpPr>
+        <p:spPr>
+          <a:xfrm flipH="1">
+            <a:off x="7700390" y="1114655"/>
+            <a:ext cx="5316" cy="1456758"/>
+          </a:xfrm>
+          <a:prstGeom prst="line">
+            <a:avLst/>
+          </a:prstGeom>
+          <a:ln w="28575">
+            <a:solidFill>
+              <a:schemeClr val="accent1"/>
+            </a:solidFill>
+          </a:ln>
+        </p:spPr>
+        <p:style>
+          <a:lnRef idx="1">
+            <a:schemeClr val="accent1"/>
+          </a:lnRef>
+          <a:fillRef idx="0">
+            <a:schemeClr val="accent1"/>
+          </a:fillRef>
+          <a:effectRef idx="0">
+            <a:schemeClr val="accent1"/>
+          </a:effectRef>
+          <a:fontRef idx="minor">
+            <a:schemeClr val="tx1"/>
+          </a:fontRef>
+        </p:style>
+      </p:cxnSp>
+      <p:cxnSp>
+        <p:nvCxnSpPr>
+          <p:cNvPr id="66" name="Straight Connector 65"/>
+          <p:cNvCxnSpPr/>
+          <p:nvPr/>
+        </p:nvCxnSpPr>
+        <p:spPr>
+          <a:xfrm flipH="1">
+            <a:off x="5657516" y="2571413"/>
+            <a:ext cx="2042874" cy="0"/>
+          </a:xfrm>
+          <a:prstGeom prst="line">
+            <a:avLst/>
+          </a:prstGeom>
+          <a:ln w="28575"/>
+        </p:spPr>
+        <p:style>
+          <a:lnRef idx="1">
+            <a:schemeClr val="accent1"/>
+          </a:lnRef>
+          <a:fillRef idx="0">
+            <a:schemeClr val="accent1"/>
+          </a:fillRef>
+          <a:effectRef idx="0">
+            <a:schemeClr val="accent1"/>
+          </a:effectRef>
+          <a:fontRef idx="minor">
+            <a:schemeClr val="tx1"/>
+          </a:fontRef>
+        </p:style>
+      </p:cxnSp>
+      <p:cxnSp>
+        <p:nvCxnSpPr>
+          <p:cNvPr id="69" name="Straight Connector 68"/>
+          <p:cNvCxnSpPr/>
+          <p:nvPr/>
+        </p:nvCxnSpPr>
+        <p:spPr>
+          <a:xfrm flipH="1" flipV="1">
+            <a:off x="5326615" y="2122441"/>
+            <a:ext cx="330901" cy="456591"/>
+          </a:xfrm>
+          <a:prstGeom prst="line">
+            <a:avLst/>
+          </a:prstGeom>
+          <a:ln w="28575">
+            <a:solidFill>
+              <a:schemeClr val="accent1"/>
+            </a:solidFill>
+          </a:ln>
+        </p:spPr>
+        <p:style>
+          <a:lnRef idx="1">
+            <a:schemeClr val="accent1"/>
+          </a:lnRef>
+          <a:fillRef idx="0">
+            <a:schemeClr val="accent1"/>
+          </a:fillRef>
+          <a:effectRef idx="0">
+            <a:schemeClr val="accent1"/>
+          </a:effectRef>
+          <a:fontRef idx="minor">
+            <a:schemeClr val="tx1"/>
+          </a:fontRef>
+        </p:style>
+      </p:cxnSp>
+      <p:cxnSp>
+        <p:nvCxnSpPr>
+          <p:cNvPr id="72" name="Straight Connector 71"/>
+          <p:cNvCxnSpPr/>
+          <p:nvPr/>
+        </p:nvCxnSpPr>
+        <p:spPr>
+          <a:xfrm flipH="1">
+            <a:off x="4596935" y="2138290"/>
+            <a:ext cx="736340" cy="1834"/>
+          </a:xfrm>
+          <a:prstGeom prst="line">
+            <a:avLst/>
+          </a:prstGeom>
+          <a:ln w="28575"/>
+        </p:spPr>
+        <p:style>
+          <a:lnRef idx="1">
+            <a:schemeClr val="accent1"/>
+          </a:lnRef>
+          <a:fillRef idx="0">
+            <a:schemeClr val="accent1"/>
+          </a:fillRef>
+          <a:effectRef idx="0">
+            <a:schemeClr val="accent1"/>
+          </a:effectRef>
+          <a:fontRef idx="minor">
+            <a:schemeClr val="tx1"/>
+          </a:fontRef>
+        </p:style>
+      </p:cxnSp>
+      <p:cxnSp>
+        <p:nvCxnSpPr>
+          <p:cNvPr id="75" name="Straight Connector 74"/>
+          <p:cNvCxnSpPr/>
+          <p:nvPr/>
+        </p:nvCxnSpPr>
+        <p:spPr>
+          <a:xfrm>
+            <a:off x="4561788" y="1130157"/>
+            <a:ext cx="15991" cy="1032276"/>
+          </a:xfrm>
+          <a:prstGeom prst="line">
+            <a:avLst/>
+          </a:prstGeom>
+          <a:ln w="28575"/>
+        </p:spPr>
+        <p:style>
+          <a:lnRef idx="1">
+            <a:schemeClr val="accent1"/>
+          </a:lnRef>
+          <a:fillRef idx="0">
+            <a:schemeClr val="accent1"/>
+          </a:fillRef>
+          <a:effectRef idx="0">
+            <a:schemeClr val="accent1"/>
+          </a:effectRef>
+          <a:fontRef idx="minor">
+            <a:schemeClr val="tx1"/>
+          </a:fontRef>
+        </p:style>
+      </p:cxnSp>
+      <p:sp>
+        <p:nvSpPr>
+          <p:cNvPr id="79" name="Rectangle 78"/>
+          <p:cNvSpPr/>
+          <p:nvPr/>
+        </p:nvSpPr>
+        <p:spPr>
+          <a:xfrm>
+            <a:off x="5704159" y="2071027"/>
+            <a:ext cx="1175106" cy="1054839"/>
+          </a:xfrm>
+          <a:prstGeom prst="rect">
+            <a:avLst/>
+          </a:prstGeom>
+          <a:noFill/>
+          <a:ln w="28575"/>
+        </p:spPr>
+        <p:style>
+          <a:lnRef idx="2">
+            <a:schemeClr val="accent1">
+              <a:shade val="50000"/>
+            </a:schemeClr>
+          </a:lnRef>
+          <a:fillRef idx="1">
+            <a:schemeClr val="accent1"/>
+          </a:fillRef>
+          <a:effectRef idx="0">
+            <a:schemeClr val="accent1"/>
+          </a:effectRef>
+          <a:fontRef idx="minor">
+            <a:schemeClr val="lt1"/>
+          </a:fontRef>
+        </p:style>
+        <p:txBody>
+          <a:bodyPr rtlCol="0" anchor="ctr"/>
+          <a:lstStyle/>
+          <a:p>
+            <a:pPr algn="ctr"/>
+            <a:endParaRPr lang="en-US"/>
+          </a:p>
+        </p:txBody>
+      </p:sp>
+    </p:spTree>
+    <p:extLst>
+      <p:ext uri="{BB962C8B-B14F-4D97-AF65-F5344CB8AC3E}">
+        <p14:creationId xmlns:p14="http://schemas.microsoft.com/office/powerpoint/2010/main" val="453315906"/>
       </p:ext>
     </p:extLst>
   </p:cSld>
